--- a/lectures/4.2StackHeapRefsHigherOrderFcts/lecture.pptx
+++ b/lectures/4.2StackHeapRefsHigherOrderFcts/lecture.pptx
@@ -5,7 +5,7 @@
     <p:sldMasterId id="2147483648" r:id="rId1"/>
   </p:sldMasterIdLst>
   <p:notesMasterIdLst>
-    <p:notesMasterId r:id="rId11"/>
+    <p:notesMasterId r:id="rId10"/>
   </p:notesMasterIdLst>
   <p:sldIdLst>
     <p:sldId id="256" r:id="rId2"/>
@@ -16,7 +16,6 @@
     <p:sldId id="310" r:id="rId7"/>
     <p:sldId id="311" r:id="rId8"/>
     <p:sldId id="312" r:id="rId9"/>
-    <p:sldId id="316" r:id="rId10"/>
   </p:sldIdLst>
   <p:sldSz cx="12192000" cy="6858000"/>
   <p:notesSz cx="6858000" cy="9144000"/>
@@ -205,7 +204,7 @@
           <a:p>
             <a:fld id="{248031C6-E4B0-0444-A4A8-9CCE96EC2C9C}" type="datetimeFigureOut">
               <a:rPr lang="en-GB" smtClean="0"/>
-              <a:t>20/09/2019</a:t>
+              <a:t>23/09/2019</a:t>
             </a:fld>
             <a:endParaRPr lang="en-GB"/>
           </a:p>
@@ -622,7 +621,7 @@
           <a:p>
             <a:fld id="{66665395-52C5-5E4B-BB20-CD4E0BBC9899}" type="datetimeFigureOut">
               <a:rPr lang="en-GB" smtClean="0"/>
-              <a:t>20/09/2019</a:t>
+              <a:t>23/09/2019</a:t>
             </a:fld>
             <a:endParaRPr lang="en-GB"/>
           </a:p>
@@ -822,7 +821,7 @@
           <a:p>
             <a:fld id="{66665395-52C5-5E4B-BB20-CD4E0BBC9899}" type="datetimeFigureOut">
               <a:rPr lang="en-GB" smtClean="0"/>
-              <a:t>20/09/2019</a:t>
+              <a:t>23/09/2019</a:t>
             </a:fld>
             <a:endParaRPr lang="en-GB"/>
           </a:p>
@@ -1032,7 +1031,7 @@
           <a:p>
             <a:fld id="{66665395-52C5-5E4B-BB20-CD4E0BBC9899}" type="datetimeFigureOut">
               <a:rPr lang="en-GB" smtClean="0"/>
-              <a:t>20/09/2019</a:t>
+              <a:t>23/09/2019</a:t>
             </a:fld>
             <a:endParaRPr lang="en-GB"/>
           </a:p>
@@ -1232,7 +1231,7 @@
           <a:p>
             <a:fld id="{66665395-52C5-5E4B-BB20-CD4E0BBC9899}" type="datetimeFigureOut">
               <a:rPr lang="en-GB" smtClean="0"/>
-              <a:t>20/09/2019</a:t>
+              <a:t>23/09/2019</a:t>
             </a:fld>
             <a:endParaRPr lang="en-GB"/>
           </a:p>
@@ -1508,7 +1507,7 @@
           <a:p>
             <a:fld id="{66665395-52C5-5E4B-BB20-CD4E0BBC9899}" type="datetimeFigureOut">
               <a:rPr lang="en-GB" smtClean="0"/>
-              <a:t>20/09/2019</a:t>
+              <a:t>23/09/2019</a:t>
             </a:fld>
             <a:endParaRPr lang="en-GB"/>
           </a:p>
@@ -1776,7 +1775,7 @@
           <a:p>
             <a:fld id="{66665395-52C5-5E4B-BB20-CD4E0BBC9899}" type="datetimeFigureOut">
               <a:rPr lang="en-GB" smtClean="0"/>
-              <a:t>20/09/2019</a:t>
+              <a:t>23/09/2019</a:t>
             </a:fld>
             <a:endParaRPr lang="en-GB"/>
           </a:p>
@@ -2191,7 +2190,7 @@
           <a:p>
             <a:fld id="{66665395-52C5-5E4B-BB20-CD4E0BBC9899}" type="datetimeFigureOut">
               <a:rPr lang="en-GB" smtClean="0"/>
-              <a:t>20/09/2019</a:t>
+              <a:t>23/09/2019</a:t>
             </a:fld>
             <a:endParaRPr lang="en-GB"/>
           </a:p>
@@ -2333,7 +2332,7 @@
           <a:p>
             <a:fld id="{66665395-52C5-5E4B-BB20-CD4E0BBC9899}" type="datetimeFigureOut">
               <a:rPr lang="en-GB" smtClean="0"/>
-              <a:t>20/09/2019</a:t>
+              <a:t>23/09/2019</a:t>
             </a:fld>
             <a:endParaRPr lang="en-GB"/>
           </a:p>
@@ -2446,7 +2445,7 @@
           <a:p>
             <a:fld id="{66665395-52C5-5E4B-BB20-CD4E0BBC9899}" type="datetimeFigureOut">
               <a:rPr lang="en-GB" smtClean="0"/>
-              <a:t>20/09/2019</a:t>
+              <a:t>23/09/2019</a:t>
             </a:fld>
             <a:endParaRPr lang="en-GB"/>
           </a:p>
@@ -2759,7 +2758,7 @@
           <a:p>
             <a:fld id="{66665395-52C5-5E4B-BB20-CD4E0BBC9899}" type="datetimeFigureOut">
               <a:rPr lang="en-GB" smtClean="0"/>
-              <a:t>20/09/2019</a:t>
+              <a:t>23/09/2019</a:t>
             </a:fld>
             <a:endParaRPr lang="en-GB"/>
           </a:p>
@@ -3048,7 +3047,7 @@
           <a:p>
             <a:fld id="{66665395-52C5-5E4B-BB20-CD4E0BBC9899}" type="datetimeFigureOut">
               <a:rPr lang="en-GB" smtClean="0"/>
-              <a:t>20/09/2019</a:t>
+              <a:t>23/09/2019</a:t>
             </a:fld>
             <a:endParaRPr lang="en-GB"/>
           </a:p>
@@ -3291,7 +3290,7 @@
           <a:p>
             <a:fld id="{66665395-52C5-5E4B-BB20-CD4E0BBC9899}" type="datetimeFigureOut">
               <a:rPr lang="en-GB" smtClean="0"/>
-              <a:t>20/09/2019</a:t>
+              <a:t>23/09/2019</a:t>
             </a:fld>
             <a:endParaRPr lang="en-GB"/>
           </a:p>
@@ -8354,75 +8353,6 @@
       <p:bldP spid="8" grpId="0"/>
     </p:bldLst>
   </p:timing>
-</p:sld>
-</file>
-
-<file path=ppt/slides/slide9.xml><?xml version="1.0" encoding="utf-8"?>
-<p:sld xmlns:a="http://schemas.openxmlformats.org/drawingml/2006/main" xmlns:r="http://schemas.openxmlformats.org/officeDocument/2006/relationships" xmlns:p="http://schemas.openxmlformats.org/presentationml/2006/main">
-  <p:cSld>
-    <p:bg>
-      <p:bgPr>
-        <a:solidFill>
-          <a:schemeClr val="bg1"/>
-        </a:solidFill>
-        <a:effectLst/>
-      </p:bgPr>
-    </p:bg>
-    <p:spTree>
-      <p:nvGrpSpPr>
-        <p:cNvPr id="1" name=""/>
-        <p:cNvGrpSpPr/>
-        <p:nvPr/>
-      </p:nvGrpSpPr>
-      <p:grpSpPr>
-        <a:xfrm>
-          <a:off x="0" y="0"/>
-          <a:ext cx="0" cy="0"/>
-          <a:chOff x="0" y="0"/>
-          <a:chExt cx="0" cy="0"/>
-        </a:xfrm>
-      </p:grpSpPr>
-      <p:pic>
-        <p:nvPicPr>
-          <p:cNvPr id="5" name="Content Placeholder 4">
-            <a:extLst>
-              <a:ext uri="{FF2B5EF4-FFF2-40B4-BE49-F238E27FC236}">
-                <a16:creationId xmlns:a16="http://schemas.microsoft.com/office/drawing/2014/main" id="{1CBD0D0C-1AFF-1240-80D0-F231F54517FF}"/>
-              </a:ext>
-            </a:extLst>
-          </p:cNvPr>
-          <p:cNvPicPr>
-            <a:picLocks noGrp="1" noChangeAspect="1"/>
-          </p:cNvPicPr>
-          <p:nvPr>
-            <p:ph idx="1"/>
-          </p:nvPr>
-        </p:nvPicPr>
-        <p:blipFill rotWithShape="1">
-          <a:blip r:embed="rId2"/>
-          <a:srcRect/>
-          <a:stretch/>
-        </p:blipFill>
-        <p:spPr>
-          <a:xfrm>
-            <a:off x="20" y="10"/>
-            <a:ext cx="12191980" cy="6857990"/>
-          </a:xfrm>
-          <a:prstGeom prst="rect">
-            <a:avLst/>
-          </a:prstGeom>
-        </p:spPr>
-      </p:pic>
-    </p:spTree>
-    <p:extLst>
-      <p:ext uri="{BB962C8B-B14F-4D97-AF65-F5344CB8AC3E}">
-        <p14:creationId xmlns:p14="http://schemas.microsoft.com/office/powerpoint/2010/main" val="371993847"/>
-      </p:ext>
-    </p:extLst>
-  </p:cSld>
-  <p:clrMapOvr>
-    <a:masterClrMapping/>
-  </p:clrMapOvr>
 </p:sld>
 </file>
 
